--- a/docs/SIA-TP2.pptx
+++ b/docs/SIA-TP2.pptx
@@ -5532,6 +5532,25 @@
               <a:rPr lang="en-US" dirty="0" err="1" smtClean="0"/>
               <a:t>Multicapa</a:t>
             </a:r>
+            <a:endParaRPr lang="en-US" dirty="0" smtClean="0"/>
+          </a:p>
+          <a:p>
+            <a:r>
+              <a:rPr lang="en-US" dirty="0" err="1" smtClean="0"/>
+              <a:t>Predicci</a:t>
+            </a:r>
+            <a:r>
+              <a:rPr lang="en-US" dirty="0" err="1" smtClean="0"/>
+              <a:t>ón</a:t>
+            </a:r>
+            <a:r>
+              <a:rPr lang="en-US" dirty="0" smtClean="0"/>
+              <a:t> de series de </a:t>
+            </a:r>
+            <a:r>
+              <a:rPr lang="en-US" dirty="0" err="1" smtClean="0"/>
+              <a:t>tiempo</a:t>
+            </a:r>
             <a:endParaRPr lang="en-US" dirty="0"/>
           </a:p>
         </p:txBody>
@@ -5734,11 +5753,7 @@
           <a:p>
             <a:r>
               <a:rPr lang="en-US" dirty="0" err="1" smtClean="0"/>
-              <a:t>Tambi</a:t>
-            </a:r>
-            <a:r>
-              <a:rPr lang="en-US" dirty="0" err="1" smtClean="0"/>
-              <a:t>én</a:t>
+              <a:t>También</a:t>
             </a:r>
             <a:r>
               <a:rPr lang="en-US" dirty="0" smtClean="0"/>
@@ -5902,15 +5917,7 @@
             </a:r>
             <a:r>
               <a:rPr lang="en-US" dirty="0" smtClean="0"/>
-              <a:t> – Eta Configurable</a:t>
-            </a:r>
-            <a:r>
-              <a:rPr lang="en-US" dirty="0" smtClean="0"/>
-              <a:t> </a:t>
-            </a:r>
-            <a:r>
-              <a:rPr lang="en-US" dirty="0" smtClean="0"/>
-              <a:t>y Momentum</a:t>
+              <a:t> – Eta Configurable y Momentum</a:t>
             </a:r>
             <a:endParaRPr lang="en-US" dirty="0"/>
           </a:p>
@@ -6152,11 +6159,7 @@
             </a:r>
             <a:r>
               <a:rPr lang="en-US" dirty="0" err="1" smtClean="0"/>
-              <a:t>din</a:t>
-            </a:r>
-            <a:r>
-              <a:rPr lang="en-US" dirty="0" err="1" smtClean="0"/>
-              <a:t>ámico</a:t>
+              <a:t>dinámico</a:t>
             </a:r>
             <a:r>
               <a:rPr lang="en-US" dirty="0" smtClean="0"/>
@@ -6497,7 +6500,6 @@
               <a:rPr lang="en-US" dirty="0" smtClean="0"/>
               <a:t>.</a:t>
             </a:r>
-            <a:endParaRPr lang="en-US" dirty="0" smtClean="0"/>
           </a:p>
         </p:txBody>
       </p:sp>
@@ -6948,11 +6950,7 @@
           <a:p>
             <a:r>
               <a:rPr lang="en-US" dirty="0" err="1" smtClean="0"/>
-              <a:t>Gr</a:t>
-            </a:r>
-            <a:r>
-              <a:rPr lang="en-US" dirty="0" err="1" smtClean="0"/>
-              <a:t>áficas</a:t>
+              <a:t>Gráficas</a:t>
             </a:r>
             <a:r>
               <a:rPr lang="en-US" dirty="0" smtClean="0"/>
@@ -7354,11 +7352,7 @@
           <a:p>
             <a:r>
               <a:rPr lang="en-US" dirty="0" err="1" smtClean="0"/>
-              <a:t>Introducci</a:t>
-            </a:r>
-            <a:r>
-              <a:rPr lang="en-US" dirty="0" err="1" smtClean="0"/>
-              <a:t>ón</a:t>
+              <a:t>Introducción</a:t>
             </a:r>
             <a:endParaRPr lang="en-US" dirty="0"/>
           </a:p>
@@ -7636,11 +7630,7 @@
             </a:r>
             <a:r>
               <a:rPr lang="en-US" dirty="0" err="1" smtClean="0"/>
-              <a:t>funci</a:t>
-            </a:r>
-            <a:r>
-              <a:rPr lang="en-US" dirty="0" err="1" smtClean="0"/>
-              <a:t>ón</a:t>
+              <a:t>función</a:t>
             </a:r>
             <a:r>
               <a:rPr lang="en-US" dirty="0" smtClean="0"/>
@@ -7866,15 +7856,7 @@
           <a:p>
             <a:r>
               <a:rPr lang="en-US" dirty="0" err="1" smtClean="0"/>
-              <a:t>Gr</a:t>
-            </a:r>
-            <a:r>
-              <a:rPr lang="en-US" dirty="0" err="1" smtClean="0"/>
-              <a:t>á</a:t>
-            </a:r>
-            <a:r>
-              <a:rPr lang="en-US" dirty="0" err="1" smtClean="0"/>
-              <a:t>fico</a:t>
+              <a:t>Gráfico</a:t>
             </a:r>
             <a:r>
               <a:rPr lang="en-US" dirty="0" smtClean="0"/>
@@ -8006,11 +7988,7 @@
             </a:r>
             <a:r>
               <a:rPr lang="en-US" dirty="0" err="1" smtClean="0"/>
-              <a:t>Funci</a:t>
-            </a:r>
-            <a:r>
-              <a:rPr lang="en-US" dirty="0" err="1" smtClean="0"/>
-              <a:t>ón</a:t>
+              <a:t>Función</a:t>
             </a:r>
             <a:r>
               <a:rPr lang="en-US" dirty="0" smtClean="0"/>
@@ -8157,11 +8135,7 @@
             </a:r>
             <a:r>
               <a:rPr lang="en-US" dirty="0" err="1" smtClean="0"/>
-              <a:t>trav</a:t>
-            </a:r>
-            <a:r>
-              <a:rPr lang="en-US" dirty="0" err="1" smtClean="0"/>
-              <a:t>és</a:t>
+              <a:t>través</a:t>
             </a:r>
             <a:r>
               <a:rPr lang="en-US" dirty="0" smtClean="0"/>
@@ -8394,11 +8368,7 @@
           <a:p>
             <a:r>
               <a:rPr lang="en-US" dirty="0" err="1" smtClean="0"/>
-              <a:t>Funci</a:t>
-            </a:r>
-            <a:r>
-              <a:rPr lang="en-US" dirty="0" err="1" smtClean="0"/>
-              <a:t>ones</a:t>
+              <a:t>Funciones</a:t>
             </a:r>
             <a:r>
               <a:rPr lang="en-US" dirty="0" smtClean="0"/>
@@ -8456,11 +8426,7 @@
             </a:r>
             <a:r>
               <a:rPr lang="en-US" dirty="0" err="1" smtClean="0"/>
-              <a:t>activaci</a:t>
-            </a:r>
-            <a:r>
-              <a:rPr lang="en-US" dirty="0" err="1" smtClean="0"/>
-              <a:t>ón</a:t>
+              <a:t>transferencia</a:t>
             </a:r>
             <a:r>
               <a:rPr lang="en-US" dirty="0" smtClean="0"/>
@@ -8570,15 +8536,7 @@
                   <a:schemeClr val="bg1"/>
                 </a:solidFill>
               </a:rPr>
-              <a:t>Funci</a:t>
-            </a:r>
-            <a:r>
-              <a:rPr lang="en-US" sz="2200" dirty="0" err="1" smtClean="0">
-                <a:solidFill>
-                  <a:schemeClr val="bg1"/>
-                </a:solidFill>
-              </a:rPr>
-              <a:t>ón</a:t>
+              <a:t>Función</a:t>
             </a:r>
             <a:r>
               <a:rPr lang="en-US" sz="2200" dirty="0" smtClean="0">
@@ -8649,15 +8607,7 @@
                   <a:schemeClr val="bg1"/>
                 </a:solidFill>
               </a:rPr>
-              <a:t>Funci</a:t>
-            </a:r>
-            <a:r>
-              <a:rPr lang="en-US" sz="2200" dirty="0" err="1" smtClean="0">
-                <a:solidFill>
-                  <a:schemeClr val="bg1"/>
-                </a:solidFill>
-              </a:rPr>
-              <a:t>ón</a:t>
+              <a:t>Función</a:t>
             </a:r>
             <a:r>
               <a:rPr lang="en-US" sz="2200" dirty="0" smtClean="0">
@@ -8924,11 +8874,7 @@
             <a:pPr lvl="1"/>
             <a:r>
               <a:rPr lang="en-US" dirty="0" err="1" smtClean="0"/>
-              <a:t>Soluci</a:t>
-            </a:r>
-            <a:r>
-              <a:rPr lang="en-US" dirty="0" err="1" smtClean="0"/>
-              <a:t>ón</a:t>
+              <a:t>Solución</a:t>
             </a:r>
             <a:r>
               <a:rPr lang="en-US" dirty="0"/>
@@ -8993,11 +8939,7 @@
           <a:p>
             <a:r>
               <a:rPr lang="en-US" dirty="0" err="1" smtClean="0"/>
-              <a:t>C</a:t>
-            </a:r>
-            <a:r>
-              <a:rPr lang="en-US" dirty="0" err="1" smtClean="0"/>
-              <a:t>álculo</a:t>
+              <a:t>Cálculo</a:t>
             </a:r>
             <a:r>
               <a:rPr lang="en-US" dirty="0" smtClean="0"/>
@@ -9049,11 +8991,7 @@
             </a:r>
             <a:r>
               <a:rPr lang="en-US" dirty="0" err="1" smtClean="0"/>
-              <a:t>cuadr</a:t>
-            </a:r>
-            <a:r>
-              <a:rPr lang="en-US" dirty="0" err="1" smtClean="0"/>
-              <a:t>ática</a:t>
+              <a:t>cuadrática</a:t>
             </a:r>
             <a:r>
               <a:rPr lang="en-US" dirty="0" smtClean="0"/>

--- a/docs/SIA-TP2.pptx
+++ b/docs/SIA-TP2.pptx
@@ -20,8 +20,8 @@
     <p:sldId id="268" r:id="rId14"/>
     <p:sldId id="269" r:id="rId15"/>
     <p:sldId id="270" r:id="rId16"/>
-    <p:sldId id="273" r:id="rId17"/>
-    <p:sldId id="274" r:id="rId18"/>
+    <p:sldId id="274" r:id="rId17"/>
+    <p:sldId id="273" r:id="rId18"/>
     <p:sldId id="275" r:id="rId19"/>
     <p:sldId id="271" r:id="rId20"/>
     <p:sldId id="272" r:id="rId21"/>
@@ -7082,36 +7082,145 @@
           <a:lstStyle/>
           <a:p>
             <a:r>
-              <a:rPr lang="en-US" smtClean="0"/>
+              <a:rPr lang="en-US" dirty="0" err="1" smtClean="0"/>
               <a:t>Resultados</a:t>
             </a:r>
-            <a:endParaRPr lang="en-US"/>
-          </a:p>
-        </p:txBody>
-      </p:sp>
-      <p:sp>
-        <p:nvSpPr>
-          <p:cNvPr id="5" name="Content Placeholder 4"/>
-          <p:cNvSpPr>
-            <a:spLocks noGrp="1"/>
-          </p:cNvSpPr>
-          <p:nvPr>
-            <p:ph idx="1"/>
-          </p:nvPr>
-        </p:nvSpPr>
-        <p:spPr/>
-        <p:txBody>
-          <a:bodyPr/>
-          <a:lstStyle/>
-          <a:p>
-            <a:endParaRPr lang="en-US"/>
+            <a:endParaRPr lang="en-US" dirty="0"/>
+          </a:p>
+        </p:txBody>
+      </p:sp>
+      <p:pic>
+        <p:nvPicPr>
+          <p:cNvPr id="3" name="Picture 2" descr="random vs no random.png"/>
+          <p:cNvPicPr>
+            <a:picLocks noChangeAspect="1"/>
+          </p:cNvPicPr>
+          <p:nvPr/>
+        </p:nvPicPr>
+        <p:blipFill>
+          <a:blip r:embed="rId2">
+            <a:extLst>
+              <a:ext uri="{28A0092B-C50C-407E-A947-70E740481C1C}">
+                <a14:useLocalDpi xmlns:a14="http://schemas.microsoft.com/office/drawing/2010/main" val="0"/>
+              </a:ext>
+            </a:extLst>
+          </a:blip>
+          <a:stretch>
+            <a:fillRect/>
+          </a:stretch>
+        </p:blipFill>
+        <p:spPr>
+          <a:xfrm>
+            <a:off x="548799" y="2278536"/>
+            <a:ext cx="8084891" cy="1347172"/>
+          </a:xfrm>
+          <a:prstGeom prst="rect">
+            <a:avLst/>
+          </a:prstGeom>
+        </p:spPr>
+      </p:pic>
+      <p:sp>
+        <p:nvSpPr>
+          <p:cNvPr id="6" name="TextBox 5"/>
+          <p:cNvSpPr txBox="1"/>
+          <p:nvPr/>
+        </p:nvSpPr>
+        <p:spPr>
+          <a:xfrm>
+            <a:off x="548799" y="4160788"/>
+            <a:ext cx="3153230" cy="369332"/>
+          </a:xfrm>
+          <a:prstGeom prst="rect">
+            <a:avLst/>
+          </a:prstGeom>
+          <a:noFill/>
+        </p:spPr>
+        <p:txBody>
+          <a:bodyPr wrap="square" rtlCol="0">
+            <a:spAutoFit/>
+          </a:bodyPr>
+          <a:lstStyle/>
+          <a:p>
+            <a:r>
+              <a:rPr lang="en-US" dirty="0" err="1" smtClean="0"/>
+              <a:t>Mejores</a:t>
+            </a:r>
+            <a:r>
+              <a:rPr lang="en-US" dirty="0" smtClean="0"/>
+              <a:t> </a:t>
+            </a:r>
+            <a:r>
+              <a:rPr lang="en-US" dirty="0" err="1" smtClean="0"/>
+              <a:t>resultados</a:t>
+            </a:r>
+            <a:endParaRPr lang="en-US" dirty="0" smtClean="0"/>
+          </a:p>
+        </p:txBody>
+      </p:sp>
+      <p:pic>
+        <p:nvPicPr>
+          <p:cNvPr id="8" name="Picture 7" descr="best results.png"/>
+          <p:cNvPicPr>
+            <a:picLocks noChangeAspect="1"/>
+          </p:cNvPicPr>
+          <p:nvPr/>
+        </p:nvPicPr>
+        <p:blipFill>
+          <a:blip r:embed="rId3">
+            <a:extLst>
+              <a:ext uri="{28A0092B-C50C-407E-A947-70E740481C1C}">
+                <a14:useLocalDpi xmlns:a14="http://schemas.microsoft.com/office/drawing/2010/main" val="0"/>
+              </a:ext>
+            </a:extLst>
+          </a:blip>
+          <a:stretch>
+            <a:fillRect/>
+          </a:stretch>
+        </p:blipFill>
+        <p:spPr>
+          <a:xfrm>
+            <a:off x="409581" y="4686645"/>
+            <a:ext cx="9093130" cy="849975"/>
+          </a:xfrm>
+          <a:prstGeom prst="rect">
+            <a:avLst/>
+          </a:prstGeom>
+        </p:spPr>
+      </p:pic>
+      <p:sp>
+        <p:nvSpPr>
+          <p:cNvPr id="9" name="TextBox 8"/>
+          <p:cNvSpPr txBox="1"/>
+          <p:nvPr/>
+        </p:nvSpPr>
+        <p:spPr>
+          <a:xfrm>
+            <a:off x="779463" y="1678914"/>
+            <a:ext cx="6972226" cy="369332"/>
+          </a:xfrm>
+          <a:prstGeom prst="rect">
+            <a:avLst/>
+          </a:prstGeom>
+          <a:noFill/>
+        </p:spPr>
+        <p:txBody>
+          <a:bodyPr wrap="square" rtlCol="0">
+            <a:spAutoFit/>
+          </a:bodyPr>
+          <a:lstStyle/>
+          <a:p>
+            <a:r>
+              <a:rPr lang="es-ES_tradnl" dirty="0"/>
+              <a:t>Comparación entre ordenamiento de los patrones en cada época </a:t>
+            </a:r>
+            <a:endParaRPr lang="en-US" dirty="0"/>
           </a:p>
         </p:txBody>
       </p:sp>
     </p:spTree>
     <p:extLst>
       <p:ext uri="{BB962C8B-B14F-4D97-AF65-F5344CB8AC3E}">
-        <p14:creationId xmlns:p14="http://schemas.microsoft.com/office/powerpoint/2010/main" val="2202502870"/>
+        <p14:creationId xmlns:p14="http://schemas.microsoft.com/office/powerpoint/2010/main" val="557997403"/>
       </p:ext>
     </p:extLst>
   </p:cSld>
@@ -7154,36 +7263,47 @@
           <a:lstStyle/>
           <a:p>
             <a:r>
-              <a:rPr lang="en-US" smtClean="0"/>
+              <a:rPr lang="en-US" dirty="0" err="1" smtClean="0"/>
               <a:t>Resultados</a:t>
             </a:r>
-            <a:endParaRPr lang="en-US"/>
-          </a:p>
-        </p:txBody>
-      </p:sp>
-      <p:sp>
-        <p:nvSpPr>
-          <p:cNvPr id="5" name="Content Placeholder 4"/>
-          <p:cNvSpPr>
-            <a:spLocks noGrp="1"/>
-          </p:cNvSpPr>
-          <p:nvPr>
-            <p:ph idx="1"/>
-          </p:nvPr>
-        </p:nvSpPr>
-        <p:spPr/>
-        <p:txBody>
-          <a:bodyPr/>
-          <a:lstStyle/>
-          <a:p>
-            <a:endParaRPr lang="en-US"/>
-          </a:p>
-        </p:txBody>
-      </p:sp>
+            <a:endParaRPr lang="en-US" dirty="0"/>
+          </a:p>
+        </p:txBody>
+      </p:sp>
+      <p:pic>
+        <p:nvPicPr>
+          <p:cNvPr id="2" name="Picture 1" descr="comparacion con tangente entre annealed, momentum y dinamic.png"/>
+          <p:cNvPicPr>
+            <a:picLocks noChangeAspect="1"/>
+          </p:cNvPicPr>
+          <p:nvPr/>
+        </p:nvPicPr>
+        <p:blipFill>
+          <a:blip r:embed="rId2">
+            <a:extLst>
+              <a:ext uri="{28A0092B-C50C-407E-A947-70E740481C1C}">
+                <a14:useLocalDpi xmlns:a14="http://schemas.microsoft.com/office/drawing/2010/main" val="0"/>
+              </a:ext>
+            </a:extLst>
+          </a:blip>
+          <a:stretch>
+            <a:fillRect/>
+          </a:stretch>
+        </p:blipFill>
+        <p:spPr>
+          <a:xfrm>
+            <a:off x="429102" y="2045045"/>
+            <a:ext cx="8364537" cy="1005277"/>
+          </a:xfrm>
+          <a:prstGeom prst="rect">
+            <a:avLst/>
+          </a:prstGeom>
+        </p:spPr>
+      </p:pic>
     </p:spTree>
     <p:extLst>
       <p:ext uri="{BB962C8B-B14F-4D97-AF65-F5344CB8AC3E}">
-        <p14:creationId xmlns:p14="http://schemas.microsoft.com/office/powerpoint/2010/main" val="557997403"/>
+        <p14:creationId xmlns:p14="http://schemas.microsoft.com/office/powerpoint/2010/main" val="2202502870"/>
       </p:ext>
     </p:extLst>
   </p:cSld>

--- a/docs/SIA-TP2.pptx
+++ b/docs/SIA-TP2.pptx
@@ -7111,7 +7111,7 @@
         </p:blipFill>
         <p:spPr>
           <a:xfrm>
-            <a:off x="548799" y="2278536"/>
+            <a:off x="548799" y="2152675"/>
             <a:ext cx="8084891" cy="1347172"/>
           </a:xfrm>
           <a:prstGeom prst="rect">
@@ -7127,7 +7127,7 @@
         </p:nvSpPr>
         <p:spPr>
           <a:xfrm>
-            <a:off x="548799" y="4160788"/>
+            <a:off x="779463" y="3976122"/>
             <a:ext cx="3153230" cy="369332"/>
           </a:xfrm>
           <a:prstGeom prst="rect">
@@ -7179,8 +7179,8 @@
         </p:blipFill>
         <p:spPr>
           <a:xfrm>
-            <a:off x="409581" y="4686645"/>
-            <a:ext cx="9093130" cy="849975"/>
+            <a:off x="548799" y="4606552"/>
+            <a:ext cx="7974542" cy="1263152"/>
           </a:xfrm>
           <a:prstGeom prst="rect">
             <a:avLst/>
@@ -7292,14 +7292,60 @@
         </p:blipFill>
         <p:spPr>
           <a:xfrm>
-            <a:off x="429102" y="2045045"/>
-            <a:ext cx="8364537" cy="1005277"/>
+            <a:off x="435079" y="2515375"/>
+            <a:ext cx="8387774" cy="1387531"/>
           </a:xfrm>
           <a:prstGeom prst="rect">
             <a:avLst/>
           </a:prstGeom>
         </p:spPr>
       </p:pic>
+      <p:sp>
+        <p:nvSpPr>
+          <p:cNvPr id="3" name="TextBox 2"/>
+          <p:cNvSpPr txBox="1"/>
+          <p:nvPr/>
+        </p:nvSpPr>
+        <p:spPr>
+          <a:xfrm>
+            <a:off x="658497" y="1881320"/>
+            <a:ext cx="7704453" cy="369332"/>
+          </a:xfrm>
+          <a:prstGeom prst="rect">
+            <a:avLst/>
+          </a:prstGeom>
+          <a:noFill/>
+        </p:spPr>
+        <p:txBody>
+          <a:bodyPr wrap="square" rtlCol="0">
+            <a:spAutoFit/>
+          </a:bodyPr>
+          <a:lstStyle/>
+          <a:p>
+            <a:r>
+              <a:rPr lang="es-ES_tradnl" dirty="0"/>
+              <a:t>Comparación con tangente entre </a:t>
+            </a:r>
+            <a:r>
+              <a:rPr lang="es-ES_tradnl" dirty="0" err="1"/>
+              <a:t>annealed</a:t>
+            </a:r>
+            <a:r>
+              <a:rPr lang="es-ES_tradnl" dirty="0"/>
+              <a:t>, </a:t>
+            </a:r>
+            <a:r>
+              <a:rPr lang="es-ES_tradnl" dirty="0" err="1"/>
+              <a:t>momentum</a:t>
+            </a:r>
+            <a:r>
+              <a:rPr lang="es-ES_tradnl" dirty="0"/>
+              <a:t> y dinámico</a:t>
+            </a:r>
+            <a:endParaRPr lang="en-US" dirty="0"/>
+          </a:p>
+        </p:txBody>
+      </p:sp>
     </p:spTree>
     <p:extLst>
       <p:ext uri="{BB962C8B-B14F-4D97-AF65-F5344CB8AC3E}">

--- a/docs/SIA-TP2.pptx
+++ b/docs/SIA-TP2.pptx
@@ -19,12 +19,14 @@
     <p:sldId id="267" r:id="rId13"/>
     <p:sldId id="268" r:id="rId14"/>
     <p:sldId id="269" r:id="rId15"/>
-    <p:sldId id="270" r:id="rId16"/>
-    <p:sldId id="274" r:id="rId17"/>
-    <p:sldId id="273" r:id="rId18"/>
-    <p:sldId id="275" r:id="rId19"/>
-    <p:sldId id="271" r:id="rId20"/>
-    <p:sldId id="272" r:id="rId21"/>
+    <p:sldId id="274" r:id="rId16"/>
+    <p:sldId id="273" r:id="rId17"/>
+    <p:sldId id="276" r:id="rId18"/>
+    <p:sldId id="277" r:id="rId19"/>
+    <p:sldId id="278" r:id="rId20"/>
+    <p:sldId id="275" r:id="rId21"/>
+    <p:sldId id="271" r:id="rId22"/>
+    <p:sldId id="272" r:id="rId23"/>
   </p:sldIdLst>
   <p:sldSz cx="9144000" cy="6858000" type="screen4x3"/>
   <p:notesSz cx="6858000" cy="9144000"/>
@@ -5970,7 +5972,19 @@
           <a:p>
             <a:r>
               <a:rPr lang="en-US" dirty="0" smtClean="0"/>
-              <a:t>Eta Configurable</a:t>
+              <a:t>Factor de </a:t>
+            </a:r>
+            <a:r>
+              <a:rPr lang="en-US" dirty="0" err="1" smtClean="0"/>
+              <a:t>aprendizaje</a:t>
+            </a:r>
+            <a:r>
+              <a:rPr lang="en-US" dirty="0" smtClean="0"/>
+              <a:t> </a:t>
+            </a:r>
+            <a:r>
+              <a:rPr lang="en-US" dirty="0" err="1" smtClean="0"/>
+              <a:t>adaptativo</a:t>
             </a:r>
             <a:endParaRPr lang="en-US" dirty="0"/>
           </a:p>
@@ -5986,7 +6000,7 @@
         </p:nvSpPr>
         <p:spPr>
           <a:xfrm>
-            <a:off x="779463" y="1828800"/>
+            <a:off x="779463" y="1726178"/>
             <a:ext cx="7583487" cy="4520568"/>
           </a:xfrm>
           <a:prstGeom prst="rect">
@@ -6151,7 +6165,7 @@
             </a:r>
             <a:r>
               <a:rPr lang="en-US" dirty="0" err="1" smtClean="0"/>
-              <a:t>entranmiento</a:t>
+              <a:t>entrenamiento</a:t>
             </a:r>
             <a:r>
               <a:rPr lang="en-US" dirty="0" smtClean="0"/>
@@ -6159,12 +6173,29 @@
             </a:r>
             <a:r>
               <a:rPr lang="en-US" dirty="0" err="1" smtClean="0"/>
-              <a:t>dinámico</a:t>
-            </a:r>
-            <a:r>
-              <a:rPr lang="en-US" dirty="0" smtClean="0"/>
-              <a:t> con eta:</a:t>
-            </a:r>
+              <a:t>adaptativo</a:t>
+            </a:r>
+            <a:r>
+              <a:rPr lang="en-US" dirty="0" smtClean="0"/>
+              <a:t> </a:t>
+            </a:r>
+            <a:r>
+              <a:rPr lang="en-US" dirty="0" err="1" smtClean="0"/>
+              <a:t>para</a:t>
+            </a:r>
+            <a:r>
+              <a:rPr lang="en-US" dirty="0" smtClean="0"/>
+              <a:t> el factor de </a:t>
+            </a:r>
+            <a:r>
+              <a:rPr lang="en-US" dirty="0" err="1" smtClean="0"/>
+              <a:t>aprendizaje</a:t>
+            </a:r>
+            <a:r>
+              <a:rPr lang="en-US" dirty="0" smtClean="0"/>
+              <a:t>:</a:t>
+            </a:r>
+            <a:endParaRPr lang="en-US" dirty="0" smtClean="0"/>
           </a:p>
           <a:p>
             <a:pPr lvl="1"/>
@@ -6933,37 +6964,6 @@
           </a:p>
         </p:txBody>
       </p:sp>
-      <p:sp>
-        <p:nvSpPr>
-          <p:cNvPr id="5" name="Text Placeholder 4"/>
-          <p:cNvSpPr>
-            <a:spLocks noGrp="1"/>
-          </p:cNvSpPr>
-          <p:nvPr>
-            <p:ph type="body" idx="1"/>
-          </p:nvPr>
-        </p:nvSpPr>
-        <p:spPr/>
-        <p:txBody>
-          <a:bodyPr/>
-          <a:lstStyle/>
-          <a:p>
-            <a:r>
-              <a:rPr lang="en-US" dirty="0" err="1" smtClean="0"/>
-              <a:t>Gráficas</a:t>
-            </a:r>
-            <a:r>
-              <a:rPr lang="en-US" dirty="0" smtClean="0"/>
-              <a:t> </a:t>
-            </a:r>
-            <a:r>
-              <a:rPr lang="en-US" dirty="0" err="1" smtClean="0"/>
-              <a:t>obtenidas</a:t>
-            </a:r>
-            <a:endParaRPr lang="en-US" dirty="0"/>
-          </a:p>
-        </p:txBody>
-      </p:sp>
     </p:spTree>
     <p:extLst>
       <p:ext uri="{BB962C8B-B14F-4D97-AF65-F5344CB8AC3E}">
@@ -7017,78 +7017,6 @@
           </a:p>
         </p:txBody>
       </p:sp>
-      <p:sp>
-        <p:nvSpPr>
-          <p:cNvPr id="5" name="Content Placeholder 4"/>
-          <p:cNvSpPr>
-            <a:spLocks noGrp="1"/>
-          </p:cNvSpPr>
-          <p:nvPr>
-            <p:ph idx="1"/>
-          </p:nvPr>
-        </p:nvSpPr>
-        <p:spPr/>
-        <p:txBody>
-          <a:bodyPr/>
-          <a:lstStyle/>
-          <a:p>
-            <a:endParaRPr lang="en-US"/>
-          </a:p>
-        </p:txBody>
-      </p:sp>
-    </p:spTree>
-    <p:extLst>
-      <p:ext uri="{BB962C8B-B14F-4D97-AF65-F5344CB8AC3E}">
-        <p14:creationId xmlns:p14="http://schemas.microsoft.com/office/powerpoint/2010/main" val="1178767068"/>
-      </p:ext>
-    </p:extLst>
-  </p:cSld>
-  <p:clrMapOvr>
-    <a:masterClrMapping/>
-  </p:clrMapOvr>
-</p:sld>
-</file>
-
-<file path=ppt/slides/slide16.xml><?xml version="1.0" encoding="utf-8"?>
-<p:sld xmlns:a="http://schemas.openxmlformats.org/drawingml/2006/main" xmlns:r="http://schemas.openxmlformats.org/officeDocument/2006/relationships" xmlns:p="http://schemas.openxmlformats.org/presentationml/2006/main">
-  <p:cSld>
-    <p:spTree>
-      <p:nvGrpSpPr>
-        <p:cNvPr id="1" name=""/>
-        <p:cNvGrpSpPr/>
-        <p:nvPr/>
-      </p:nvGrpSpPr>
-      <p:grpSpPr>
-        <a:xfrm>
-          <a:off x="0" y="0"/>
-          <a:ext cx="0" cy="0"/>
-          <a:chOff x="0" y="0"/>
-          <a:chExt cx="0" cy="0"/>
-        </a:xfrm>
-      </p:grpSpPr>
-      <p:sp>
-        <p:nvSpPr>
-          <p:cNvPr id="4" name="Title 3"/>
-          <p:cNvSpPr>
-            <a:spLocks noGrp="1"/>
-          </p:cNvSpPr>
-          <p:nvPr>
-            <p:ph type="title"/>
-          </p:nvPr>
-        </p:nvSpPr>
-        <p:spPr/>
-        <p:txBody>
-          <a:bodyPr/>
-          <a:lstStyle/>
-          <a:p>
-            <a:r>
-              <a:rPr lang="en-US" dirty="0" err="1" smtClean="0"/>
-              <a:t>Resultados</a:t>
-            </a:r>
-            <a:endParaRPr lang="en-US" dirty="0"/>
-          </a:p>
-        </p:txBody>
-      </p:sp>
       <p:pic>
         <p:nvPicPr>
           <p:cNvPr id="3" name="Picture 2" descr="random vs no random.png"/>
@@ -7127,7 +7055,7 @@
         </p:nvSpPr>
         <p:spPr>
           <a:xfrm>
-            <a:off x="779463" y="3976122"/>
+            <a:off x="779463" y="3791456"/>
             <a:ext cx="3153230" cy="369332"/>
           </a:xfrm>
           <a:prstGeom prst="rect">
@@ -7179,7 +7107,7 @@
         </p:blipFill>
         <p:spPr>
           <a:xfrm>
-            <a:off x="548799" y="4606552"/>
+            <a:off x="548799" y="4364235"/>
             <a:ext cx="7974542" cy="1263152"/>
           </a:xfrm>
           <a:prstGeom prst="rect">
@@ -7221,6 +7149,135 @@
     <p:extLst>
       <p:ext uri="{BB962C8B-B14F-4D97-AF65-F5344CB8AC3E}">
         <p14:creationId xmlns:p14="http://schemas.microsoft.com/office/powerpoint/2010/main" val="557997403"/>
+      </p:ext>
+    </p:extLst>
+  </p:cSld>
+  <p:clrMapOvr>
+    <a:masterClrMapping/>
+  </p:clrMapOvr>
+</p:sld>
+</file>
+
+<file path=ppt/slides/slide16.xml><?xml version="1.0" encoding="utf-8"?>
+<p:sld xmlns:a="http://schemas.openxmlformats.org/drawingml/2006/main" xmlns:r="http://schemas.openxmlformats.org/officeDocument/2006/relationships" xmlns:p="http://schemas.openxmlformats.org/presentationml/2006/main">
+  <p:cSld>
+    <p:spTree>
+      <p:nvGrpSpPr>
+        <p:cNvPr id="1" name=""/>
+        <p:cNvGrpSpPr/>
+        <p:nvPr/>
+      </p:nvGrpSpPr>
+      <p:grpSpPr>
+        <a:xfrm>
+          <a:off x="0" y="0"/>
+          <a:ext cx="0" cy="0"/>
+          <a:chOff x="0" y="0"/>
+          <a:chExt cx="0" cy="0"/>
+        </a:xfrm>
+      </p:grpSpPr>
+      <p:sp>
+        <p:nvSpPr>
+          <p:cNvPr id="4" name="Title 3"/>
+          <p:cNvSpPr>
+            <a:spLocks noGrp="1"/>
+          </p:cNvSpPr>
+          <p:nvPr>
+            <p:ph type="title"/>
+          </p:nvPr>
+        </p:nvSpPr>
+        <p:spPr/>
+        <p:txBody>
+          <a:bodyPr/>
+          <a:lstStyle/>
+          <a:p>
+            <a:r>
+              <a:rPr lang="en-US" dirty="0" err="1" smtClean="0"/>
+              <a:t>Resultados</a:t>
+            </a:r>
+            <a:endParaRPr lang="en-US" dirty="0"/>
+          </a:p>
+        </p:txBody>
+      </p:sp>
+      <p:pic>
+        <p:nvPicPr>
+          <p:cNvPr id="2" name="Picture 1" descr="comparacion con tangente entre annealed, momentum y dinamic.png"/>
+          <p:cNvPicPr>
+            <a:picLocks noChangeAspect="1"/>
+          </p:cNvPicPr>
+          <p:nvPr/>
+        </p:nvPicPr>
+        <p:blipFill>
+          <a:blip r:embed="rId2">
+            <a:extLst>
+              <a:ext uri="{28A0092B-C50C-407E-A947-70E740481C1C}">
+                <a14:useLocalDpi xmlns:a14="http://schemas.microsoft.com/office/drawing/2010/main" val="0"/>
+              </a:ext>
+            </a:extLst>
+          </a:blip>
+          <a:stretch>
+            <a:fillRect/>
+          </a:stretch>
+        </p:blipFill>
+        <p:spPr>
+          <a:xfrm>
+            <a:off x="534749" y="2548809"/>
+            <a:ext cx="8185659" cy="1354097"/>
+          </a:xfrm>
+          <a:prstGeom prst="rect">
+            <a:avLst/>
+          </a:prstGeom>
+        </p:spPr>
+      </p:pic>
+      <p:sp>
+        <p:nvSpPr>
+          <p:cNvPr id="3" name="TextBox 2"/>
+          <p:cNvSpPr txBox="1"/>
+          <p:nvPr/>
+        </p:nvSpPr>
+        <p:spPr>
+          <a:xfrm>
+            <a:off x="658497" y="1881320"/>
+            <a:ext cx="7704453" cy="369332"/>
+          </a:xfrm>
+          <a:prstGeom prst="rect">
+            <a:avLst/>
+          </a:prstGeom>
+          <a:noFill/>
+        </p:spPr>
+        <p:txBody>
+          <a:bodyPr wrap="square" rtlCol="0">
+            <a:spAutoFit/>
+          </a:bodyPr>
+          <a:lstStyle/>
+          <a:p>
+            <a:r>
+              <a:rPr lang="es-ES_tradnl" dirty="0"/>
+              <a:t>Comparación con tangente entre </a:t>
+            </a:r>
+            <a:r>
+              <a:rPr lang="es-ES_tradnl" dirty="0" err="1"/>
+              <a:t>annealed</a:t>
+            </a:r>
+            <a:r>
+              <a:rPr lang="es-ES_tradnl" dirty="0"/>
+              <a:t>, </a:t>
+            </a:r>
+            <a:r>
+              <a:rPr lang="es-ES_tradnl" dirty="0" err="1"/>
+              <a:t>momentum</a:t>
+            </a:r>
+            <a:r>
+              <a:rPr lang="es-ES_tradnl" dirty="0"/>
+              <a:t> y dinámico</a:t>
+            </a:r>
+            <a:endParaRPr lang="en-US" dirty="0"/>
+          </a:p>
+        </p:txBody>
+      </p:sp>
+    </p:spTree>
+    <p:extLst>
+      <p:ext uri="{BB962C8B-B14F-4D97-AF65-F5344CB8AC3E}">
+        <p14:creationId xmlns:p14="http://schemas.microsoft.com/office/powerpoint/2010/main" val="2202502870"/>
       </p:ext>
     </p:extLst>
   </p:cSld>
@@ -7270,9 +7327,39 @@
           </a:p>
         </p:txBody>
       </p:sp>
+      <p:sp>
+        <p:nvSpPr>
+          <p:cNvPr id="3" name="TextBox 2"/>
+          <p:cNvSpPr txBox="1"/>
+          <p:nvPr/>
+        </p:nvSpPr>
+        <p:spPr>
+          <a:xfrm>
+            <a:off x="375995" y="1881320"/>
+            <a:ext cx="8413942" cy="369332"/>
+          </a:xfrm>
+          <a:prstGeom prst="rect">
+            <a:avLst/>
+          </a:prstGeom>
+          <a:noFill/>
+        </p:spPr>
+        <p:txBody>
+          <a:bodyPr wrap="square" rtlCol="0">
+            <a:spAutoFit/>
+          </a:bodyPr>
+          <a:lstStyle/>
+          <a:p>
+            <a:r>
+              <a:rPr lang="es-ES_tradnl" dirty="0"/>
+              <a:t>Comparación entre función de transferencia exponencial y tangente hiperbólica </a:t>
+            </a:r>
+            <a:endParaRPr lang="en-US" dirty="0"/>
+          </a:p>
+        </p:txBody>
+      </p:sp>
       <p:pic>
         <p:nvPicPr>
-          <p:cNvPr id="2" name="Picture 1" descr="comparacion con tangente entre annealed, momentum y dinamic.png"/>
+          <p:cNvPr id="5" name="Picture 4" descr="comparacion entre exponencial y tangente .png"/>
           <p:cNvPicPr>
             <a:picLocks noChangeAspect="1"/>
           </p:cNvPicPr>
@@ -7292,64 +7379,18 @@
         </p:blipFill>
         <p:spPr>
           <a:xfrm>
-            <a:off x="435079" y="2515375"/>
-            <a:ext cx="8387774" cy="1387531"/>
+            <a:off x="375995" y="2750339"/>
+            <a:ext cx="8433786" cy="1527816"/>
           </a:xfrm>
           <a:prstGeom prst="rect">
             <a:avLst/>
           </a:prstGeom>
         </p:spPr>
       </p:pic>
-      <p:sp>
-        <p:nvSpPr>
-          <p:cNvPr id="3" name="TextBox 2"/>
-          <p:cNvSpPr txBox="1"/>
-          <p:nvPr/>
-        </p:nvSpPr>
-        <p:spPr>
-          <a:xfrm>
-            <a:off x="658497" y="1881320"/>
-            <a:ext cx="7704453" cy="369332"/>
-          </a:xfrm>
-          <a:prstGeom prst="rect">
-            <a:avLst/>
-          </a:prstGeom>
-          <a:noFill/>
-        </p:spPr>
-        <p:txBody>
-          <a:bodyPr wrap="square" rtlCol="0">
-            <a:spAutoFit/>
-          </a:bodyPr>
-          <a:lstStyle/>
-          <a:p>
-            <a:r>
-              <a:rPr lang="es-ES_tradnl" dirty="0"/>
-              <a:t>Comparación con tangente entre </a:t>
-            </a:r>
-            <a:r>
-              <a:rPr lang="es-ES_tradnl" dirty="0" err="1"/>
-              <a:t>annealed</a:t>
-            </a:r>
-            <a:r>
-              <a:rPr lang="es-ES_tradnl" dirty="0"/>
-              <a:t>, </a:t>
-            </a:r>
-            <a:r>
-              <a:rPr lang="es-ES_tradnl" dirty="0" err="1"/>
-              <a:t>momentum</a:t>
-            </a:r>
-            <a:r>
-              <a:rPr lang="es-ES_tradnl" dirty="0"/>
-              <a:t> y dinámico</a:t>
-            </a:r>
-            <a:endParaRPr lang="en-US" dirty="0"/>
-          </a:p>
-        </p:txBody>
-      </p:sp>
     </p:spTree>
     <p:extLst>
       <p:ext uri="{BB962C8B-B14F-4D97-AF65-F5344CB8AC3E}">
-        <p14:creationId xmlns:p14="http://schemas.microsoft.com/office/powerpoint/2010/main" val="2202502870"/>
+        <p14:creationId xmlns:p14="http://schemas.microsoft.com/office/powerpoint/2010/main" val="736614417"/>
       </p:ext>
     </p:extLst>
   </p:cSld>
@@ -7378,31 +7419,76 @@
       </p:grpSpPr>
       <p:sp>
         <p:nvSpPr>
-          <p:cNvPr id="4" name="Title 3"/>
-          <p:cNvSpPr>
-            <a:spLocks noGrp="1"/>
-          </p:cNvSpPr>
-          <p:nvPr>
-            <p:ph type="title"/>
-          </p:nvPr>
-        </p:nvSpPr>
-        <p:spPr/>
-        <p:txBody>
-          <a:bodyPr/>
+          <p:cNvPr id="3" name="TextBox 2"/>
+          <p:cNvSpPr txBox="1"/>
+          <p:nvPr/>
+        </p:nvSpPr>
+        <p:spPr>
+          <a:xfrm>
+            <a:off x="601592" y="447325"/>
+            <a:ext cx="8413942" cy="369332"/>
+          </a:xfrm>
+          <a:prstGeom prst="rect">
+            <a:avLst/>
+          </a:prstGeom>
+          <a:noFill/>
+        </p:spPr>
+        <p:txBody>
+          <a:bodyPr wrap="square" rtlCol="0">
+            <a:spAutoFit/>
+          </a:bodyPr>
           <a:lstStyle/>
           <a:p>
             <a:r>
-              <a:rPr lang="en-US" dirty="0" err="1" smtClean="0"/>
-              <a:t>Conclusiones</a:t>
+              <a:rPr lang="es-ES_tradnl" dirty="0"/>
+              <a:t>Prueba con configuración 3,5,1 y función </a:t>
+            </a:r>
+            <a:r>
+              <a:rPr lang="es-ES_tradnl" dirty="0" smtClean="0"/>
+              <a:t>tangente hiperb</a:t>
+            </a:r>
+            <a:r>
+              <a:rPr lang="es-ES_tradnl" dirty="0" smtClean="0"/>
+              <a:t>ólica</a:t>
             </a:r>
             <a:endParaRPr lang="en-US" dirty="0"/>
           </a:p>
         </p:txBody>
       </p:sp>
+      <p:pic>
+        <p:nvPicPr>
+          <p:cNvPr id="2" name="Picture 1" descr="tanh 351 dinamico.png"/>
+          <p:cNvPicPr>
+            <a:picLocks noChangeAspect="1"/>
+          </p:cNvPicPr>
+          <p:nvPr/>
+        </p:nvPicPr>
+        <p:blipFill>
+          <a:blip r:embed="rId2">
+            <a:extLst>
+              <a:ext uri="{28A0092B-C50C-407E-A947-70E740481C1C}">
+                <a14:useLocalDpi xmlns:a14="http://schemas.microsoft.com/office/drawing/2010/main" val="0"/>
+              </a:ext>
+            </a:extLst>
+          </a:blip>
+          <a:stretch>
+            <a:fillRect/>
+          </a:stretch>
+        </p:blipFill>
+        <p:spPr>
+          <a:xfrm>
+            <a:off x="723373" y="1210885"/>
+            <a:ext cx="7566754" cy="4510262"/>
+          </a:xfrm>
+          <a:prstGeom prst="rect">
+            <a:avLst/>
+          </a:prstGeom>
+        </p:spPr>
+      </p:pic>
     </p:spTree>
     <p:extLst>
       <p:ext uri="{BB962C8B-B14F-4D97-AF65-F5344CB8AC3E}">
-        <p14:creationId xmlns:p14="http://schemas.microsoft.com/office/powerpoint/2010/main" val="2800557870"/>
+        <p14:creationId xmlns:p14="http://schemas.microsoft.com/office/powerpoint/2010/main" val="3770685551"/>
       </p:ext>
     </p:extLst>
   </p:cSld>
@@ -7431,50 +7517,68 @@
       </p:grpSpPr>
       <p:sp>
         <p:nvSpPr>
-          <p:cNvPr id="4" name="Title 3"/>
-          <p:cNvSpPr>
-            <a:spLocks noGrp="1"/>
-          </p:cNvSpPr>
-          <p:nvPr>
-            <p:ph type="title"/>
-          </p:nvPr>
-        </p:nvSpPr>
-        <p:spPr/>
-        <p:txBody>
-          <a:bodyPr/>
+          <p:cNvPr id="6" name="TextBox 5"/>
+          <p:cNvSpPr txBox="1"/>
+          <p:nvPr/>
+        </p:nvSpPr>
+        <p:spPr>
+          <a:xfrm>
+            <a:off x="601592" y="372123"/>
+            <a:ext cx="8413942" cy="369332"/>
+          </a:xfrm>
+          <a:prstGeom prst="rect">
+            <a:avLst/>
+          </a:prstGeom>
+          <a:noFill/>
+        </p:spPr>
+        <p:txBody>
+          <a:bodyPr wrap="square" rtlCol="0">
+            <a:spAutoFit/>
+          </a:bodyPr>
           <a:lstStyle/>
           <a:p>
             <a:r>
-              <a:rPr lang="en-US" dirty="0" err="1" smtClean="0"/>
-              <a:t>Conclusiones</a:t>
+              <a:rPr lang="es-ES_tradnl" dirty="0"/>
+              <a:t>Prueba con configuración 3,5,1 y función exponencial</a:t>
             </a:r>
             <a:endParaRPr lang="en-US" dirty="0"/>
           </a:p>
         </p:txBody>
       </p:sp>
-      <p:sp>
-        <p:nvSpPr>
-          <p:cNvPr id="5" name="Content Placeholder 4"/>
-          <p:cNvSpPr>
-            <a:spLocks noGrp="1"/>
-          </p:cNvSpPr>
-          <p:nvPr>
-            <p:ph idx="1"/>
-          </p:nvPr>
-        </p:nvSpPr>
-        <p:spPr/>
-        <p:txBody>
-          <a:bodyPr/>
-          <a:lstStyle/>
-          <a:p>
-            <a:endParaRPr lang="en-US"/>
-          </a:p>
-        </p:txBody>
-      </p:sp>
+      <p:pic>
+        <p:nvPicPr>
+          <p:cNvPr id="7" name="Picture 6" descr="exp 351 dinamico.png"/>
+          <p:cNvPicPr>
+            <a:picLocks noChangeAspect="1"/>
+          </p:cNvPicPr>
+          <p:nvPr/>
+        </p:nvPicPr>
+        <p:blipFill>
+          <a:blip r:embed="rId2">
+            <a:extLst>
+              <a:ext uri="{28A0092B-C50C-407E-A947-70E740481C1C}">
+                <a14:useLocalDpi xmlns:a14="http://schemas.microsoft.com/office/drawing/2010/main" val="0"/>
+              </a:ext>
+            </a:extLst>
+          </a:blip>
+          <a:stretch>
+            <a:fillRect/>
+          </a:stretch>
+        </p:blipFill>
+        <p:spPr>
+          <a:xfrm>
+            <a:off x="769750" y="1350692"/>
+            <a:ext cx="7392672" cy="4463946"/>
+          </a:xfrm>
+          <a:prstGeom prst="rect">
+            <a:avLst/>
+          </a:prstGeom>
+        </p:spPr>
+      </p:pic>
     </p:spTree>
     <p:extLst>
       <p:ext uri="{BB962C8B-B14F-4D97-AF65-F5344CB8AC3E}">
-        <p14:creationId xmlns:p14="http://schemas.microsoft.com/office/powerpoint/2010/main" val="786721795"/>
+        <p14:creationId xmlns:p14="http://schemas.microsoft.com/office/powerpoint/2010/main" val="3770685551"/>
       </p:ext>
     </p:extLst>
   </p:cSld>
@@ -7572,6 +7676,454 @@
 </file>
 
 <file path=ppt/slides/slide20.xml><?xml version="1.0" encoding="utf-8"?>
+<p:sld xmlns:a="http://schemas.openxmlformats.org/drawingml/2006/main" xmlns:r="http://schemas.openxmlformats.org/officeDocument/2006/relationships" xmlns:p="http://schemas.openxmlformats.org/presentationml/2006/main">
+  <p:cSld>
+    <p:spTree>
+      <p:nvGrpSpPr>
+        <p:cNvPr id="1" name=""/>
+        <p:cNvGrpSpPr/>
+        <p:nvPr/>
+      </p:nvGrpSpPr>
+      <p:grpSpPr>
+        <a:xfrm>
+          <a:off x="0" y="0"/>
+          <a:ext cx="0" cy="0"/>
+          <a:chOff x="0" y="0"/>
+          <a:chExt cx="0" cy="0"/>
+        </a:xfrm>
+      </p:grpSpPr>
+      <p:sp>
+        <p:nvSpPr>
+          <p:cNvPr id="4" name="Title 3"/>
+          <p:cNvSpPr>
+            <a:spLocks noGrp="1"/>
+          </p:cNvSpPr>
+          <p:nvPr>
+            <p:ph type="title"/>
+          </p:nvPr>
+        </p:nvSpPr>
+        <p:spPr/>
+        <p:txBody>
+          <a:bodyPr/>
+          <a:lstStyle/>
+          <a:p>
+            <a:r>
+              <a:rPr lang="en-US" dirty="0" err="1" smtClean="0"/>
+              <a:t>Conclusiones</a:t>
+            </a:r>
+            <a:endParaRPr lang="en-US" dirty="0"/>
+          </a:p>
+        </p:txBody>
+      </p:sp>
+    </p:spTree>
+    <p:extLst>
+      <p:ext uri="{BB962C8B-B14F-4D97-AF65-F5344CB8AC3E}">
+        <p14:creationId xmlns:p14="http://schemas.microsoft.com/office/powerpoint/2010/main" val="2800557870"/>
+      </p:ext>
+    </p:extLst>
+  </p:cSld>
+  <p:clrMapOvr>
+    <a:masterClrMapping/>
+  </p:clrMapOvr>
+</p:sld>
+</file>
+
+<file path=ppt/slides/slide21.xml><?xml version="1.0" encoding="utf-8"?>
+<p:sld xmlns:a="http://schemas.openxmlformats.org/drawingml/2006/main" xmlns:r="http://schemas.openxmlformats.org/officeDocument/2006/relationships" xmlns:p="http://schemas.openxmlformats.org/presentationml/2006/main">
+  <p:cSld>
+    <p:spTree>
+      <p:nvGrpSpPr>
+        <p:cNvPr id="1" name=""/>
+        <p:cNvGrpSpPr/>
+        <p:nvPr/>
+      </p:nvGrpSpPr>
+      <p:grpSpPr>
+        <a:xfrm>
+          <a:off x="0" y="0"/>
+          <a:ext cx="0" cy="0"/>
+          <a:chOff x="0" y="0"/>
+          <a:chExt cx="0" cy="0"/>
+        </a:xfrm>
+      </p:grpSpPr>
+      <p:sp>
+        <p:nvSpPr>
+          <p:cNvPr id="4" name="Title 3"/>
+          <p:cNvSpPr>
+            <a:spLocks noGrp="1"/>
+          </p:cNvSpPr>
+          <p:nvPr>
+            <p:ph type="title"/>
+          </p:nvPr>
+        </p:nvSpPr>
+        <p:spPr/>
+        <p:txBody>
+          <a:bodyPr/>
+          <a:lstStyle/>
+          <a:p>
+            <a:r>
+              <a:rPr lang="en-US" dirty="0" err="1" smtClean="0"/>
+              <a:t>Conclusiones</a:t>
+            </a:r>
+            <a:endParaRPr lang="en-US" dirty="0"/>
+          </a:p>
+        </p:txBody>
+      </p:sp>
+      <p:sp>
+        <p:nvSpPr>
+          <p:cNvPr id="5" name="Content Placeholder 4"/>
+          <p:cNvSpPr>
+            <a:spLocks noGrp="1"/>
+          </p:cNvSpPr>
+          <p:nvPr>
+            <p:ph idx="1"/>
+          </p:nvPr>
+        </p:nvSpPr>
+        <p:spPr>
+          <a:xfrm>
+            <a:off x="779463" y="1739005"/>
+            <a:ext cx="7583487" cy="4700491"/>
+          </a:xfrm>
+        </p:spPr>
+        <p:txBody>
+          <a:bodyPr>
+            <a:normAutofit fontScale="92500"/>
+          </a:bodyPr>
+          <a:lstStyle/>
+          <a:p>
+            <a:r>
+              <a:rPr lang="en-US" dirty="0" err="1" smtClean="0"/>
+              <a:t>M</a:t>
+            </a:r>
+            <a:r>
+              <a:rPr lang="en-US" dirty="0" err="1" smtClean="0"/>
+              <a:t>ás</a:t>
+            </a:r>
+            <a:r>
+              <a:rPr lang="en-US" dirty="0" smtClean="0"/>
+              <a:t> </a:t>
+            </a:r>
+            <a:r>
+              <a:rPr lang="en-US" dirty="0" err="1" smtClean="0"/>
+              <a:t>neuronas</a:t>
+            </a:r>
+            <a:r>
+              <a:rPr lang="en-US" dirty="0" smtClean="0"/>
+              <a:t> </a:t>
+            </a:r>
+            <a:r>
+              <a:rPr lang="en-US" dirty="0" err="1" smtClean="0"/>
+              <a:t>generan</a:t>
+            </a:r>
+            <a:r>
+              <a:rPr lang="en-US" dirty="0" smtClean="0"/>
+              <a:t> un </a:t>
+            </a:r>
+            <a:r>
+              <a:rPr lang="en-US" dirty="0" err="1" smtClean="0"/>
+              <a:t>mejor</a:t>
+            </a:r>
+            <a:r>
+              <a:rPr lang="en-US" dirty="0" smtClean="0"/>
+              <a:t> </a:t>
+            </a:r>
+            <a:r>
+              <a:rPr lang="en-US" dirty="0" err="1" smtClean="0"/>
+              <a:t>aprendizaje</a:t>
+            </a:r>
+            <a:endParaRPr lang="en-US" dirty="0" smtClean="0"/>
+          </a:p>
+          <a:p>
+            <a:r>
+              <a:rPr lang="en-US" dirty="0"/>
+              <a:t>Los </a:t>
+            </a:r>
+            <a:r>
+              <a:rPr lang="en-US" dirty="0" err="1"/>
+              <a:t>parámetros</a:t>
+            </a:r>
+            <a:r>
+              <a:rPr lang="en-US" dirty="0"/>
+              <a:t> </a:t>
+            </a:r>
+            <a:r>
+              <a:rPr lang="en-US" dirty="0" err="1"/>
+              <a:t>dependen</a:t>
+            </a:r>
+            <a:r>
+              <a:rPr lang="en-US" dirty="0"/>
+              <a:t> de:</a:t>
+            </a:r>
+          </a:p>
+          <a:p>
+            <a:pPr lvl="1"/>
+            <a:r>
+              <a:rPr lang="en-US" dirty="0"/>
+              <a:t> </a:t>
+            </a:r>
+            <a:r>
+              <a:rPr lang="en-US" dirty="0" err="1"/>
+              <a:t>problema</a:t>
+            </a:r>
+            <a:endParaRPr lang="en-US" dirty="0"/>
+          </a:p>
+          <a:p>
+            <a:pPr lvl="1"/>
+            <a:r>
+              <a:rPr lang="en-US" dirty="0"/>
+              <a:t> </a:t>
+            </a:r>
+            <a:r>
+              <a:rPr lang="en-US" dirty="0" err="1"/>
+              <a:t>configuración</a:t>
+            </a:r>
+            <a:r>
+              <a:rPr lang="en-US" dirty="0"/>
+              <a:t> </a:t>
+            </a:r>
+          </a:p>
+          <a:p>
+            <a:pPr lvl="1"/>
+            <a:r>
+              <a:rPr lang="en-US" dirty="0"/>
+              <a:t> </a:t>
+            </a:r>
+            <a:r>
+              <a:rPr lang="en-US" dirty="0" err="1"/>
+              <a:t>función</a:t>
+            </a:r>
+            <a:r>
+              <a:rPr lang="en-US" dirty="0"/>
+              <a:t> de </a:t>
+            </a:r>
+            <a:r>
+              <a:rPr lang="en-US" dirty="0" err="1"/>
+              <a:t>transferencia</a:t>
+            </a:r>
+            <a:r>
+              <a:rPr lang="en-US" dirty="0" smtClean="0"/>
+              <a:t>.</a:t>
+            </a:r>
+            <a:endParaRPr lang="en-US" dirty="0" smtClean="0"/>
+          </a:p>
+          <a:p>
+            <a:r>
+              <a:rPr lang="en-US" dirty="0" err="1" smtClean="0"/>
+              <a:t>Mejores</a:t>
+            </a:r>
+            <a:r>
+              <a:rPr lang="en-US" dirty="0" smtClean="0"/>
+              <a:t> </a:t>
+            </a:r>
+            <a:r>
+              <a:rPr lang="en-US" dirty="0" err="1" smtClean="0"/>
+              <a:t>resultados</a:t>
+            </a:r>
+            <a:r>
+              <a:rPr lang="en-US" dirty="0" smtClean="0"/>
+              <a:t>: factor de </a:t>
+            </a:r>
+            <a:r>
+              <a:rPr lang="en-US" dirty="0" err="1" smtClean="0"/>
+              <a:t>aprendizaje</a:t>
+            </a:r>
+            <a:r>
+              <a:rPr lang="en-US" dirty="0" smtClean="0"/>
+              <a:t> </a:t>
+            </a:r>
+            <a:r>
+              <a:rPr lang="en-US" dirty="0" err="1" smtClean="0"/>
+              <a:t>dinámico</a:t>
+            </a:r>
+            <a:endParaRPr lang="en-US" dirty="0"/>
+          </a:p>
+          <a:p>
+            <a:r>
+              <a:rPr lang="en-US" dirty="0" err="1" smtClean="0"/>
+              <a:t>Tomar</a:t>
+            </a:r>
+            <a:r>
+              <a:rPr lang="en-US" dirty="0"/>
+              <a:t> </a:t>
+            </a:r>
+            <a:r>
+              <a:rPr lang="en-US" dirty="0" smtClean="0"/>
+              <a:t>75% de </a:t>
+            </a:r>
+            <a:r>
+              <a:rPr lang="en-US" dirty="0" err="1" smtClean="0"/>
+              <a:t>patrones</a:t>
+            </a:r>
+            <a:r>
+              <a:rPr lang="en-US" dirty="0" smtClean="0"/>
+              <a:t> </a:t>
+            </a:r>
+            <a:r>
+              <a:rPr lang="en-US" dirty="0" err="1" smtClean="0"/>
+              <a:t>para</a:t>
+            </a:r>
+            <a:r>
+              <a:rPr lang="en-US" dirty="0" smtClean="0"/>
+              <a:t> </a:t>
+            </a:r>
+            <a:r>
+              <a:rPr lang="en-US" dirty="0" err="1" smtClean="0"/>
+              <a:t>entrenamiento</a:t>
+            </a:r>
+            <a:endParaRPr lang="en-US" dirty="0" smtClean="0"/>
+          </a:p>
+          <a:p>
+            <a:r>
+              <a:rPr lang="en-US" dirty="0" smtClean="0"/>
+              <a:t>No hay </a:t>
+            </a:r>
+            <a:r>
+              <a:rPr lang="en-US" dirty="0" err="1" smtClean="0"/>
+              <a:t>diferecias</a:t>
+            </a:r>
+            <a:r>
+              <a:rPr lang="en-US" dirty="0" smtClean="0"/>
+              <a:t> </a:t>
+            </a:r>
+            <a:r>
+              <a:rPr lang="en-US" dirty="0" err="1" smtClean="0"/>
+              <a:t>significativas</a:t>
+            </a:r>
+            <a:r>
+              <a:rPr lang="en-US" dirty="0" smtClean="0"/>
+              <a:t> entre </a:t>
+            </a:r>
+            <a:r>
+              <a:rPr lang="en-US" dirty="0" err="1" smtClean="0"/>
+              <a:t>las</a:t>
+            </a:r>
+            <a:r>
+              <a:rPr lang="en-US" dirty="0" smtClean="0"/>
+              <a:t> </a:t>
+            </a:r>
+            <a:r>
+              <a:rPr lang="en-US" dirty="0" err="1" smtClean="0"/>
+              <a:t>funciones</a:t>
+            </a:r>
+            <a:r>
+              <a:rPr lang="en-US" dirty="0" smtClean="0"/>
+              <a:t> de </a:t>
+            </a:r>
+            <a:r>
+              <a:rPr lang="en-US" dirty="0" err="1" smtClean="0"/>
+              <a:t>transferencia</a:t>
+            </a:r>
+            <a:r>
+              <a:rPr lang="en-US" dirty="0" smtClean="0"/>
+              <a:t> en la </a:t>
+            </a:r>
+            <a:r>
+              <a:rPr lang="en-US" dirty="0" err="1" smtClean="0"/>
+              <a:t>fase</a:t>
+            </a:r>
+            <a:r>
+              <a:rPr lang="en-US" dirty="0" smtClean="0"/>
+              <a:t> de </a:t>
+            </a:r>
+            <a:r>
+              <a:rPr lang="en-US" dirty="0" err="1" smtClean="0"/>
+              <a:t>aprendizaje</a:t>
+            </a:r>
+            <a:endParaRPr lang="en-US" dirty="0" smtClean="0"/>
+          </a:p>
+          <a:p>
+            <a:r>
+              <a:rPr lang="en-US" dirty="0" smtClean="0"/>
+              <a:t>La </a:t>
+            </a:r>
+            <a:r>
+              <a:rPr lang="en-US" dirty="0" err="1" smtClean="0"/>
+              <a:t>tangente</a:t>
+            </a:r>
+            <a:r>
+              <a:rPr lang="en-US" dirty="0" smtClean="0"/>
+              <a:t> </a:t>
+            </a:r>
+            <a:r>
+              <a:rPr lang="en-US" dirty="0" err="1" smtClean="0"/>
+              <a:t>hiperbólica</a:t>
+            </a:r>
+            <a:r>
+              <a:rPr lang="en-US" dirty="0" smtClean="0"/>
+              <a:t> </a:t>
+            </a:r>
+            <a:r>
+              <a:rPr lang="en-US" dirty="0" err="1" smtClean="0"/>
+              <a:t>provee</a:t>
+            </a:r>
+            <a:r>
+              <a:rPr lang="en-US" dirty="0" smtClean="0"/>
+              <a:t> </a:t>
+            </a:r>
+            <a:r>
+              <a:rPr lang="en-US" dirty="0" err="1" smtClean="0"/>
+              <a:t>una</a:t>
+            </a:r>
+            <a:r>
+              <a:rPr lang="en-US" dirty="0" smtClean="0"/>
+              <a:t> </a:t>
+            </a:r>
+            <a:r>
+              <a:rPr lang="en-US" dirty="0" err="1" smtClean="0"/>
+              <a:t>mejor</a:t>
+            </a:r>
+            <a:r>
+              <a:rPr lang="en-US" dirty="0" smtClean="0"/>
+              <a:t> </a:t>
+            </a:r>
+            <a:r>
+              <a:rPr lang="en-US" dirty="0" err="1" smtClean="0"/>
+              <a:t>generalización</a:t>
+            </a:r>
+            <a:endParaRPr lang="en-US" dirty="0" smtClean="0"/>
+          </a:p>
+          <a:p>
+            <a:pPr marL="282575" lvl="1" indent="0">
+              <a:buNone/>
+            </a:pPr>
+            <a:endParaRPr lang="en-US" dirty="0" smtClean="0"/>
+          </a:p>
+          <a:p>
+            <a:pPr marL="282575" lvl="1" indent="0">
+              <a:buNone/>
+            </a:pPr>
+            <a:endParaRPr lang="en-US" dirty="0" smtClean="0"/>
+          </a:p>
+          <a:p>
+            <a:endParaRPr lang="en-US" dirty="0" smtClean="0"/>
+          </a:p>
+          <a:p>
+            <a:endParaRPr lang="en-US" dirty="0"/>
+          </a:p>
+          <a:p>
+            <a:pPr marL="0" indent="0">
+              <a:buNone/>
+            </a:pPr>
+            <a:endParaRPr lang="en-US" dirty="0" smtClean="0"/>
+          </a:p>
+          <a:p>
+            <a:endParaRPr lang="en-US" dirty="0"/>
+          </a:p>
+        </p:txBody>
+      </p:sp>
+    </p:spTree>
+    <p:extLst>
+      <p:ext uri="{BB962C8B-B14F-4D97-AF65-F5344CB8AC3E}">
+        <p14:creationId xmlns:p14="http://schemas.microsoft.com/office/powerpoint/2010/main" val="786721795"/>
+      </p:ext>
+    </p:extLst>
+  </p:cSld>
+  <p:clrMapOvr>
+    <a:masterClrMapping/>
+  </p:clrMapOvr>
+</p:sld>
+</file>
+
+<file path=ppt/slides/slide22.xml><?xml version="1.0" encoding="utf-8"?>
 <p:sld xmlns:a="http://schemas.openxmlformats.org/drawingml/2006/main" xmlns:r="http://schemas.openxmlformats.org/officeDocument/2006/relationships" xmlns:p="http://schemas.openxmlformats.org/presentationml/2006/main">
   <p:cSld>
     <p:spTree>
@@ -8934,127 +9486,35 @@
           <a:p>
             <a:pPr lvl="1"/>
             <a:r>
-              <a:rPr lang="en-US" dirty="0" err="1" smtClean="0"/>
-              <a:t>Pocas</a:t>
-            </a:r>
-            <a:r>
-              <a:rPr lang="en-US" dirty="0" smtClean="0"/>
-              <a:t> </a:t>
-            </a:r>
-            <a:r>
-              <a:rPr lang="en-US" dirty="0" err="1" smtClean="0"/>
-              <a:t>neuronas</a:t>
-            </a:r>
-            <a:r>
-              <a:rPr lang="en-US" dirty="0" smtClean="0"/>
-              <a:t>, </a:t>
-            </a:r>
-            <a:r>
-              <a:rPr lang="en-US" dirty="0" err="1" smtClean="0"/>
-              <a:t>pocas</a:t>
-            </a:r>
-            <a:r>
-              <a:rPr lang="en-US" dirty="0" smtClean="0"/>
-              <a:t> </a:t>
-            </a:r>
-            <a:r>
-              <a:rPr lang="en-US" dirty="0" err="1" smtClean="0"/>
-              <a:t>capas</a:t>
-            </a:r>
-            <a:r>
-              <a:rPr lang="en-US" dirty="0" smtClean="0"/>
-              <a:t>.</a:t>
+              <a:rPr lang="en-US" dirty="0" smtClean="0"/>
+              <a:t>3 5 1</a:t>
             </a:r>
           </a:p>
           <a:p>
             <a:pPr lvl="1"/>
             <a:r>
-              <a:rPr lang="en-US" dirty="0" err="1" smtClean="0"/>
-              <a:t>Muchas</a:t>
-            </a:r>
-            <a:r>
-              <a:rPr lang="en-US" dirty="0" smtClean="0"/>
-              <a:t> </a:t>
-            </a:r>
-            <a:r>
-              <a:rPr lang="en-US" dirty="0" err="1" smtClean="0"/>
-              <a:t>neuronas</a:t>
-            </a:r>
-            <a:r>
-              <a:rPr lang="en-US" dirty="0" smtClean="0"/>
-              <a:t>, </a:t>
-            </a:r>
-            <a:r>
-              <a:rPr lang="en-US" dirty="0" err="1" smtClean="0"/>
-              <a:t>pocas</a:t>
-            </a:r>
-            <a:r>
-              <a:rPr lang="en-US" dirty="0" smtClean="0"/>
-              <a:t> </a:t>
-            </a:r>
-            <a:r>
-              <a:rPr lang="en-US" dirty="0" err="1" smtClean="0"/>
-              <a:t>capas</a:t>
-            </a:r>
-            <a:r>
-              <a:rPr lang="en-US" dirty="0" smtClean="0"/>
-              <a:t>.</a:t>
+              <a:rPr lang="en-US" dirty="0" smtClean="0"/>
+              <a:t>3 9 4 1</a:t>
             </a:r>
           </a:p>
           <a:p>
             <a:pPr lvl="1"/>
             <a:r>
-              <a:rPr lang="en-US" dirty="0" err="1" smtClean="0"/>
-              <a:t>Muchas</a:t>
-            </a:r>
-            <a:r>
-              <a:rPr lang="en-US" dirty="0" smtClean="0"/>
-              <a:t> </a:t>
-            </a:r>
-            <a:r>
-              <a:rPr lang="en-US" dirty="0" err="1" smtClean="0"/>
-              <a:t>neuronas</a:t>
-            </a:r>
-            <a:r>
-              <a:rPr lang="en-US" dirty="0" smtClean="0"/>
-              <a:t>, </a:t>
-            </a:r>
-            <a:r>
-              <a:rPr lang="en-US" dirty="0" err="1" smtClean="0"/>
-              <a:t>muchas</a:t>
-            </a:r>
-            <a:r>
-              <a:rPr lang="en-US" dirty="0" smtClean="0"/>
-              <a:t> </a:t>
-            </a:r>
-            <a:r>
-              <a:rPr lang="en-US" dirty="0" err="1" smtClean="0"/>
-              <a:t>capas</a:t>
-            </a:r>
-            <a:r>
-              <a:rPr lang="en-US" dirty="0" smtClean="0"/>
-              <a:t>.</a:t>
+              <a:rPr lang="en-US" dirty="0" smtClean="0"/>
+              <a:t>3 9 6 4 1</a:t>
             </a:r>
           </a:p>
           <a:p>
             <a:pPr lvl="1"/>
-            <a:r>
-              <a:rPr lang="en-US" dirty="0" err="1" smtClean="0"/>
-              <a:t>Solución</a:t>
-            </a:r>
-            <a:r>
-              <a:rPr lang="en-US" dirty="0"/>
-              <a:t> </a:t>
-            </a:r>
-            <a:r>
-              <a:rPr lang="en-US" dirty="0" err="1" smtClean="0"/>
-              <a:t>Intermedia</a:t>
-            </a:r>
-            <a:r>
-              <a:rPr lang="en-US" dirty="0" smtClean="0"/>
-              <a:t>.</a:t>
-            </a:r>
             <a:endParaRPr lang="en-US" dirty="0"/>
+          </a:p>
+          <a:p>
+            <a:pPr lvl="1"/>
+            <a:endParaRPr lang="en-US" dirty="0" smtClean="0"/>
+          </a:p>
+          <a:p>
+            <a:pPr lvl="1"/>
+            <a:endParaRPr lang="en-US" dirty="0" smtClean="0"/>
           </a:p>
         </p:txBody>
       </p:sp>
